--- a/2021.01 - [ MS SQL Server ]/11 - [ Indices and Data Aggregation - LAB ]/00 - [ Resources ]/Presentation.pptx
+++ b/2021.01 - [ MS SQL Server ]/11 - [ Indices and Data Aggregation - LAB ]/00 - [ Resources ]/Presentation.pptx
@@ -335,7 +335,7 @@
           <a:p>
             <a:fld id="{4E087215-0C8F-4762-A664-737A353EC9A4}" type="datetimeFigureOut">
               <a:rPr lang="bg-BG" smtClean="0"/>
-              <a:t>26.1.2021 г.</a:t>
+              <a:t>28.1.2021 г.</a:t>
             </a:fld>
             <a:endParaRPr lang="bg-BG"/>
           </a:p>
@@ -526,7 +526,7 @@
           <a:p>
             <a:fld id="{72D84649-876A-46C9-8472-14CB09C070D8}" type="datetimeFigureOut">
               <a:rPr lang="en-US" smtClean="0"/>
-              <a:t>1/26/2021</a:t>
+              <a:t>1/28/2021</a:t>
             </a:fld>
             <a:endParaRPr lang="en-US"/>
           </a:p>
@@ -4939,7 +4939,158 @@
           <a:bodyPr/>
           <a:lstStyle/>
           <a:p>
+            <a:r>
+              <a:rPr lang="bg-BG" dirty="0"/>
+              <a:t>Когато искаме бързодействие по определени колони в търсене, сортиране или групиране по тях ние създаваме </a:t>
+            </a:r>
+            <a:r>
+              <a:rPr lang="en-US" dirty="0"/>
+              <a:t>Index </a:t>
+            </a:r>
+            <a:r>
+              <a:rPr lang="bg-BG" dirty="0"/>
+              <a:t>върху тези колони</a:t>
+            </a:r>
+            <a:endParaRPr lang="en-US" dirty="0"/>
+          </a:p>
+          <a:p>
+            <a:endParaRPr lang="en-US" dirty="0"/>
+          </a:p>
+          <a:p>
+            <a:r>
+              <a:rPr lang="bg-BG" dirty="0"/>
+              <a:t>Единствената разлика между </a:t>
+            </a:r>
+            <a:r>
+              <a:rPr lang="en-US" dirty="0"/>
+              <a:t>clustered &amp; non-clustered</a:t>
+            </a:r>
+          </a:p>
+          <a:p>
+            <a:pPr marL="171450" indent="-171450">
+              <a:buFont typeface="Symbol" panose="05050102010706020507" pitchFamily="18" charset="2"/>
+              <a:buChar char="Þ"/>
+            </a:pPr>
+            <a:r>
+              <a:rPr lang="bg-BG" dirty="0"/>
+              <a:t>При </a:t>
+            </a:r>
+            <a:r>
+              <a:rPr lang="en-US" dirty="0"/>
+              <a:t>clustered </a:t>
+            </a:r>
+            <a:r>
+              <a:rPr lang="bg-BG" dirty="0"/>
+              <a:t>в самото дърво, се намират данните(редовете) в самото листо (цялата информация за реда)</a:t>
+            </a:r>
+          </a:p>
+          <a:p>
+            <a:pPr marL="171450" indent="-171450">
+              <a:buFont typeface="Symbol" panose="05050102010706020507" pitchFamily="18" charset="2"/>
+              <a:buChar char="Þ"/>
+            </a:pPr>
+            <a:r>
+              <a:rPr lang="bg-BG" dirty="0"/>
+              <a:t>При </a:t>
+            </a:r>
+            <a:r>
+              <a:rPr lang="en-US" dirty="0"/>
+              <a:t>non-clustered </a:t>
+            </a:r>
+            <a:r>
+              <a:rPr lang="bg-BG" dirty="0"/>
+              <a:t>пак ще бъде построен като </a:t>
+            </a:r>
+            <a:r>
+              <a:rPr lang="en-US" dirty="0"/>
+              <a:t>B-Trees, </a:t>
+            </a:r>
+            <a:r>
+              <a:rPr lang="bg-BG" dirty="0"/>
+              <a:t>но при него в </a:t>
+            </a:r>
+          </a:p>
+          <a:p>
+            <a:pPr marL="0" indent="0">
+              <a:buFont typeface="Symbol" panose="05050102010706020507" pitchFamily="18" charset="2"/>
+              <a:buNone/>
+            </a:pPr>
+            <a:r>
+              <a:rPr lang="bg-BG" dirty="0"/>
+              <a:t>листата му няма смисъл да се повтарят отново редовете =&gt; ще е много неефективно</a:t>
+            </a:r>
+          </a:p>
+          <a:p>
+            <a:pPr marL="0" indent="0">
+              <a:buFont typeface="Symbol" panose="05050102010706020507" pitchFamily="18" charset="2"/>
+              <a:buNone/>
+            </a:pPr>
+            <a:r>
+              <a:rPr lang="bg-BG" dirty="0"/>
+              <a:t>в листата има връзка към паметта, в която реално се съхранява реда</a:t>
+            </a:r>
+          </a:p>
+          <a:p>
+            <a:pPr marL="0" indent="0">
+              <a:buFont typeface="Symbol" panose="05050102010706020507" pitchFamily="18" charset="2"/>
+              <a:buNone/>
+            </a:pPr>
             <a:endParaRPr lang="bg-BG" dirty="0"/>
+          </a:p>
+          <a:p>
+            <a:pPr marL="0" indent="0">
+              <a:buFont typeface="Symbol" panose="05050102010706020507" pitchFamily="18" charset="2"/>
+              <a:buNone/>
+            </a:pPr>
+            <a:r>
+              <a:rPr lang="bg-BG" dirty="0"/>
+              <a:t>В всяка таблица е задължително, ако имаме </a:t>
+            </a:r>
+            <a:r>
+              <a:rPr lang="en-US" dirty="0"/>
+              <a:t>PK, </a:t>
+            </a:r>
+            <a:r>
+              <a:rPr lang="bg-BG" dirty="0"/>
+              <a:t>а ние трябва да имаме, имаме един единствен </a:t>
+            </a:r>
+            <a:r>
+              <a:rPr lang="en-US" dirty="0"/>
+              <a:t>clustered index </a:t>
+            </a:r>
+            <a:r>
+              <a:rPr lang="bg-BG" dirty="0"/>
+              <a:t>и то е по </a:t>
+            </a:r>
+            <a:r>
+              <a:rPr lang="en-US" dirty="0"/>
+              <a:t>PK</a:t>
+            </a:r>
+          </a:p>
+          <a:p>
+            <a:pPr marL="0" indent="0">
+              <a:buFont typeface="Symbol" panose="05050102010706020507" pitchFamily="18" charset="2"/>
+              <a:buNone/>
+            </a:pPr>
+            <a:endParaRPr lang="en-US" dirty="0"/>
+          </a:p>
+          <a:p>
+            <a:pPr marL="0" indent="0">
+              <a:buFont typeface="Symbol" panose="05050102010706020507" pitchFamily="18" charset="2"/>
+              <a:buNone/>
+            </a:pPr>
+            <a:r>
+              <a:rPr lang="bg-BG" dirty="0"/>
+              <a:t>А при </a:t>
+            </a:r>
+            <a:r>
+              <a:rPr lang="en-US" dirty="0"/>
+              <a:t>non-clustered </a:t>
+            </a:r>
+            <a:r>
+              <a:rPr lang="bg-BG" dirty="0"/>
+              <a:t>може да направим по друга колона или колони</a:t>
+            </a:r>
           </a:p>
         </p:txBody>
       </p:sp>
@@ -5073,6 +5224,98 @@
           <a:bodyPr/>
           <a:lstStyle/>
           <a:p>
+            <a:r>
+              <a:rPr lang="en-US" dirty="0"/>
+              <a:t>Clustered</a:t>
+            </a:r>
+            <a:r>
+              <a:rPr lang="bg-BG" dirty="0"/>
+              <a:t> </a:t>
+            </a:r>
+            <a:r>
+              <a:rPr lang="en-US" dirty="0"/>
+              <a:t>index</a:t>
+            </a:r>
+            <a:endParaRPr lang="bg-BG" dirty="0"/>
+          </a:p>
+          <a:p>
+            <a:pPr marL="171450" indent="-171450">
+              <a:buFont typeface="Symbol" panose="05050102010706020507" pitchFamily="18" charset="2"/>
+              <a:buChar char="Þ"/>
+            </a:pPr>
+            <a:r>
+              <a:rPr lang="bg-BG" dirty="0"/>
+              <a:t>Индекс от </a:t>
+            </a:r>
+            <a:r>
+              <a:rPr lang="en-US" dirty="0"/>
+              <a:t>Id-</a:t>
+            </a:r>
+            <a:r>
+              <a:rPr lang="bg-BG" dirty="0"/>
+              <a:t>тата или </a:t>
+            </a:r>
+            <a:r>
+              <a:rPr lang="en-US" dirty="0"/>
+              <a:t>Id-</a:t>
+            </a:r>
+            <a:r>
+              <a:rPr lang="bg-BG" dirty="0"/>
+              <a:t>то, </a:t>
+            </a:r>
+            <a:r>
+              <a:rPr lang="en-US" dirty="0"/>
+              <a:t>PK + </a:t>
+            </a:r>
+            <a:r>
+              <a:rPr lang="bg-BG" dirty="0"/>
+              <a:t>данните</a:t>
+            </a:r>
+          </a:p>
+          <a:p>
+            <a:pPr marL="171450" indent="-171450">
+              <a:buFont typeface="Symbol" panose="05050102010706020507" pitchFamily="18" charset="2"/>
+              <a:buChar char="Þ"/>
+            </a:pPr>
+            <a:endParaRPr lang="bg-BG" dirty="0"/>
+          </a:p>
+          <a:p>
+            <a:pPr marL="171450" indent="-171450">
+              <a:buFont typeface="Symbol" panose="05050102010706020507" pitchFamily="18" charset="2"/>
+              <a:buChar char="Þ"/>
+            </a:pPr>
+            <a:endParaRPr lang="bg-BG" dirty="0"/>
+          </a:p>
+          <a:p>
+            <a:r>
+              <a:rPr lang="en-US" dirty="0"/>
+              <a:t>Non-Clustered</a:t>
+            </a:r>
+            <a:r>
+              <a:rPr lang="bg-BG" dirty="0"/>
+              <a:t> </a:t>
+            </a:r>
+            <a:r>
+              <a:rPr lang="en-US" dirty="0"/>
+              <a:t>index</a:t>
+            </a:r>
+            <a:endParaRPr lang="bg-BG" dirty="0"/>
+          </a:p>
+          <a:p>
+            <a:pPr marL="0" indent="0">
+              <a:buFont typeface="Symbol" panose="05050102010706020507" pitchFamily="18" charset="2"/>
+              <a:buNone/>
+            </a:pPr>
+            <a:r>
+              <a:rPr lang="bg-BG" dirty="0"/>
+              <a:t>=&gt; Просто индекс върху друга колона</a:t>
+            </a:r>
+          </a:p>
+          <a:p>
+            <a:pPr marL="0" indent="0">
+              <a:buFont typeface="Symbol" panose="05050102010706020507" pitchFamily="18" charset="2"/>
+              <a:buNone/>
+            </a:pPr>
             <a:endParaRPr lang="en-US" dirty="0"/>
           </a:p>
         </p:txBody>
@@ -5478,6 +5721,71 @@
           <a:bodyPr/>
           <a:lstStyle/>
           <a:p>
+            <a:r>
+              <a:rPr lang="bg-BG" dirty="0"/>
+              <a:t>Разпределянето на всички редове от една таблица в отделни групички</a:t>
+            </a:r>
+          </a:p>
+          <a:p>
+            <a:endParaRPr lang="bg-BG" dirty="0"/>
+          </a:p>
+          <a:p>
+            <a:r>
+              <a:rPr lang="bg-BG" dirty="0"/>
+              <a:t>От една таблица с много брой редове връща по-малка таблица където редовете вече не са оригиналните редове и</a:t>
+            </a:r>
+          </a:p>
+          <a:p>
+            <a:r>
+              <a:rPr lang="bg-BG" dirty="0"/>
+              <a:t>Резултата вече става само групичките</a:t>
+            </a:r>
+            <a:endParaRPr lang="en-US" dirty="0"/>
+          </a:p>
+          <a:p>
+            <a:endParaRPr lang="en-US" dirty="0"/>
+          </a:p>
+          <a:p>
+            <a:r>
+              <a:rPr lang="bg-BG" dirty="0"/>
+              <a:t>Променя структурата като вместо редове получаваме нов начин за презентиране на информацията</a:t>
+            </a:r>
+          </a:p>
+          <a:p>
+            <a:r>
+              <a:rPr lang="bg-BG" dirty="0"/>
+              <a:t>Всеки един ред вече не е един запис от таблицата от която почваме, а всеки един ред е група от записи и в един ред се съдържат много записи</a:t>
+            </a:r>
+            <a:endParaRPr lang="en-US" dirty="0"/>
+          </a:p>
+          <a:p>
+            <a:endParaRPr lang="en-US" dirty="0"/>
+          </a:p>
+          <a:p>
+            <a:r>
+              <a:rPr lang="en-US" dirty="0"/>
+              <a:t>GROUP BY </a:t>
+            </a:r>
+            <a:r>
+              <a:rPr lang="bg-BG" dirty="0"/>
+              <a:t>+ </a:t>
+            </a:r>
+            <a:r>
+              <a:rPr lang="en-US" dirty="0"/>
+              <a:t>aggregation </a:t>
+            </a:r>
+            <a:r>
+              <a:rPr lang="bg-BG"/>
+              <a:t>функция =&gt; групира </a:t>
+            </a:r>
+            <a:r>
+              <a:rPr lang="bg-BG" dirty="0"/>
+              <a:t>по еднаквост </a:t>
+            </a:r>
+            <a:r>
+              <a:rPr lang="bg-BG"/>
+              <a:t>на елементи по зададената функция</a:t>
+            </a:r>
             <a:endParaRPr lang="en-US" dirty="0"/>
           </a:p>
         </p:txBody>
@@ -19830,10 +20138,9 @@
           <a:lstStyle/>
           <a:p>
             <a:r>
-              <a:rPr lang="en-US"/>
+              <a:rPr lang="en-US" dirty="0"/>
               <a:t>Problem: Departments Total Salaries</a:t>
             </a:r>
-            <a:endParaRPr lang="en-US" dirty="0"/>
           </a:p>
         </p:txBody>
       </p:sp>
@@ -42847,10 +43154,9 @@
           <a:lstStyle/>
           <a:p>
             <a:r>
-              <a:rPr lang="en-US"/>
+              <a:rPr lang="en-US" dirty="0"/>
               <a:t>Non-Clustered Indexes (2)</a:t>
             </a:r>
-            <a:endParaRPr lang="en-US" dirty="0"/>
           </a:p>
         </p:txBody>
       </p:sp>
